--- a/chap4/chap4.pptx
+++ b/chap4/chap4.pptx
@@ -5,25 +5,27 @@
     <p:sldMasterId id="2147483648" r:id="rId1"/>
   </p:sldMasterIdLst>
   <p:sldIdLst>
-    <p:sldId id="256" r:id="rId2"/>
-    <p:sldId id="257" r:id="rId3"/>
-    <p:sldId id="258" r:id="rId4"/>
-    <p:sldId id="259" r:id="rId5"/>
-    <p:sldId id="260" r:id="rId6"/>
-    <p:sldId id="261" r:id="rId7"/>
-    <p:sldId id="262" r:id="rId8"/>
-    <p:sldId id="263" r:id="rId9"/>
-    <p:sldId id="264" r:id="rId10"/>
-    <p:sldId id="265" r:id="rId11"/>
-    <p:sldId id="266" r:id="rId12"/>
-    <p:sldId id="267" r:id="rId13"/>
-    <p:sldId id="268" r:id="rId14"/>
-    <p:sldId id="269" r:id="rId15"/>
-    <p:sldId id="270" r:id="rId16"/>
-    <p:sldId id="271" r:id="rId17"/>
-    <p:sldId id="272" r:id="rId18"/>
-    <p:sldId id="273" r:id="rId19"/>
-    <p:sldId id="274" r:id="rId20"/>
+    <p:sldId id="275" r:id="rId2"/>
+    <p:sldId id="276" r:id="rId3"/>
+    <p:sldId id="256" r:id="rId4"/>
+    <p:sldId id="257" r:id="rId5"/>
+    <p:sldId id="258" r:id="rId6"/>
+    <p:sldId id="259" r:id="rId7"/>
+    <p:sldId id="260" r:id="rId8"/>
+    <p:sldId id="261" r:id="rId9"/>
+    <p:sldId id="262" r:id="rId10"/>
+    <p:sldId id="263" r:id="rId11"/>
+    <p:sldId id="264" r:id="rId12"/>
+    <p:sldId id="265" r:id="rId13"/>
+    <p:sldId id="266" r:id="rId14"/>
+    <p:sldId id="267" r:id="rId15"/>
+    <p:sldId id="268" r:id="rId16"/>
+    <p:sldId id="269" r:id="rId17"/>
+    <p:sldId id="270" r:id="rId18"/>
+    <p:sldId id="271" r:id="rId19"/>
+    <p:sldId id="272" r:id="rId20"/>
+    <p:sldId id="273" r:id="rId21"/>
+    <p:sldId id="274" r:id="rId22"/>
   </p:sldIdLst>
   <p:sldSz cx="12192000" cy="6858000"/>
   <p:notesSz cx="6858000" cy="9144000"/>
@@ -122,6 +124,11 @@
       </a:defRPr>
     </a:lvl9pPr>
   </p:defaultTextStyle>
+  <p:extLst>
+    <p:ext uri="{EFAFB233-063F-42B5-8137-9DF3F51BA10A}">
+      <p15:sldGuideLst xmlns:p15="http://schemas.microsoft.com/office/powerpoint/2012/main"/>
+    </p:ext>
+  </p:extLst>
 </p:presentation>
 </file>
 
@@ -256,7 +263,7 @@
           <a:p>
             <a:fld id="{07A7AF59-AB7D-469C-9BB3-B90E4741DA4D}" type="datetimeFigureOut">
               <a:rPr lang="ko-KR" altLang="en-US" smtClean="0"/>
-              <a:t>2022-01-16</a:t>
+              <a:t>2022-01-17</a:t>
             </a:fld>
             <a:endParaRPr lang="ko-KR" altLang="en-US"/>
           </a:p>
@@ -426,7 +433,7 @@
           <a:p>
             <a:fld id="{07A7AF59-AB7D-469C-9BB3-B90E4741DA4D}" type="datetimeFigureOut">
               <a:rPr lang="ko-KR" altLang="en-US" smtClean="0"/>
-              <a:t>2022-01-16</a:t>
+              <a:t>2022-01-17</a:t>
             </a:fld>
             <a:endParaRPr lang="ko-KR" altLang="en-US"/>
           </a:p>
@@ -606,7 +613,7 @@
           <a:p>
             <a:fld id="{07A7AF59-AB7D-469C-9BB3-B90E4741DA4D}" type="datetimeFigureOut">
               <a:rPr lang="ko-KR" altLang="en-US" smtClean="0"/>
-              <a:t>2022-01-16</a:t>
+              <a:t>2022-01-17</a:t>
             </a:fld>
             <a:endParaRPr lang="ko-KR" altLang="en-US"/>
           </a:p>
@@ -776,7 +783,7 @@
           <a:p>
             <a:fld id="{07A7AF59-AB7D-469C-9BB3-B90E4741DA4D}" type="datetimeFigureOut">
               <a:rPr lang="ko-KR" altLang="en-US" smtClean="0"/>
-              <a:t>2022-01-16</a:t>
+              <a:t>2022-01-17</a:t>
             </a:fld>
             <a:endParaRPr lang="ko-KR" altLang="en-US"/>
           </a:p>
@@ -1022,7 +1029,7 @@
           <a:p>
             <a:fld id="{07A7AF59-AB7D-469C-9BB3-B90E4741DA4D}" type="datetimeFigureOut">
               <a:rPr lang="ko-KR" altLang="en-US" smtClean="0"/>
-              <a:t>2022-01-16</a:t>
+              <a:t>2022-01-17</a:t>
             </a:fld>
             <a:endParaRPr lang="ko-KR" altLang="en-US"/>
           </a:p>
@@ -1254,7 +1261,7 @@
           <a:p>
             <a:fld id="{07A7AF59-AB7D-469C-9BB3-B90E4741DA4D}" type="datetimeFigureOut">
               <a:rPr lang="ko-KR" altLang="en-US" smtClean="0"/>
-              <a:t>2022-01-16</a:t>
+              <a:t>2022-01-17</a:t>
             </a:fld>
             <a:endParaRPr lang="ko-KR" altLang="en-US"/>
           </a:p>
@@ -1621,7 +1628,7 @@
           <a:p>
             <a:fld id="{07A7AF59-AB7D-469C-9BB3-B90E4741DA4D}" type="datetimeFigureOut">
               <a:rPr lang="ko-KR" altLang="en-US" smtClean="0"/>
-              <a:t>2022-01-16</a:t>
+              <a:t>2022-01-17</a:t>
             </a:fld>
             <a:endParaRPr lang="ko-KR" altLang="en-US"/>
           </a:p>
@@ -1739,7 +1746,7 @@
           <a:p>
             <a:fld id="{07A7AF59-AB7D-469C-9BB3-B90E4741DA4D}" type="datetimeFigureOut">
               <a:rPr lang="ko-KR" altLang="en-US" smtClean="0"/>
-              <a:t>2022-01-16</a:t>
+              <a:t>2022-01-17</a:t>
             </a:fld>
             <a:endParaRPr lang="ko-KR" altLang="en-US"/>
           </a:p>
@@ -1834,7 +1841,7 @@
           <a:p>
             <a:fld id="{07A7AF59-AB7D-469C-9BB3-B90E4741DA4D}" type="datetimeFigureOut">
               <a:rPr lang="ko-KR" altLang="en-US" smtClean="0"/>
-              <a:t>2022-01-16</a:t>
+              <a:t>2022-01-17</a:t>
             </a:fld>
             <a:endParaRPr lang="ko-KR" altLang="en-US"/>
           </a:p>
@@ -2111,7 +2118,7 @@
           <a:p>
             <a:fld id="{07A7AF59-AB7D-469C-9BB3-B90E4741DA4D}" type="datetimeFigureOut">
               <a:rPr lang="ko-KR" altLang="en-US" smtClean="0"/>
-              <a:t>2022-01-16</a:t>
+              <a:t>2022-01-17</a:t>
             </a:fld>
             <a:endParaRPr lang="ko-KR" altLang="en-US"/>
           </a:p>
@@ -2364,7 +2371,7 @@
           <a:p>
             <a:fld id="{07A7AF59-AB7D-469C-9BB3-B90E4741DA4D}" type="datetimeFigureOut">
               <a:rPr lang="ko-KR" altLang="en-US" smtClean="0"/>
-              <a:t>2022-01-16</a:t>
+              <a:t>2022-01-17</a:t>
             </a:fld>
             <a:endParaRPr lang="ko-KR" altLang="en-US"/>
           </a:p>
@@ -2577,7 +2584,7 @@
           <a:p>
             <a:fld id="{07A7AF59-AB7D-469C-9BB3-B90E4741DA4D}" type="datetimeFigureOut">
               <a:rPr lang="ko-KR" altLang="en-US" smtClean="0"/>
-              <a:t>2022-01-16</a:t>
+              <a:t>2022-01-17</a:t>
             </a:fld>
             <a:endParaRPr lang="ko-KR" altLang="en-US"/>
           </a:p>
@@ -2984,7 +2991,7 @@
       </p:grpSpPr>
       <p:pic>
         <p:nvPicPr>
-          <p:cNvPr id="4" name="그림 3"/>
+          <p:cNvPr id="5" name="그림 4"/>
           <p:cNvPicPr>
             <a:picLocks noChangeAspect="1"/>
           </p:cNvPicPr>
@@ -2998,8 +3005,8 @@
         </p:blipFill>
         <p:spPr>
           <a:xfrm>
-            <a:off x="2729099" y="1013699"/>
-            <a:ext cx="6733801" cy="4830601"/>
+            <a:off x="3234095" y="1629000"/>
+            <a:ext cx="5723809" cy="3600000"/>
           </a:xfrm>
           <a:prstGeom prst="rect">
             <a:avLst/>
@@ -3009,7 +3016,7 @@
     </p:spTree>
     <p:extLst>
       <p:ext uri="{BB962C8B-B14F-4D97-AF65-F5344CB8AC3E}">
-        <p14:creationId xmlns:p14="http://schemas.microsoft.com/office/powerpoint/2010/main" val="2158067768"/>
+        <p14:creationId xmlns:p14="http://schemas.microsoft.com/office/powerpoint/2010/main" val="3686024172"/>
       </p:ext>
     </p:extLst>
   </p:cSld>
@@ -3052,8 +3059,8 @@
         </p:blipFill>
         <p:spPr>
           <a:xfrm>
-            <a:off x="3580499" y="738866"/>
-            <a:ext cx="5031001" cy="5380268"/>
+            <a:off x="3296699" y="706533"/>
+            <a:ext cx="5598601" cy="5444934"/>
           </a:xfrm>
           <a:prstGeom prst="rect">
             <a:avLst/>
@@ -3063,7 +3070,7 @@
     </p:spTree>
     <p:extLst>
       <p:ext uri="{BB962C8B-B14F-4D97-AF65-F5344CB8AC3E}">
-        <p14:creationId xmlns:p14="http://schemas.microsoft.com/office/powerpoint/2010/main" val="593775575"/>
+        <p14:creationId xmlns:p14="http://schemas.microsoft.com/office/powerpoint/2010/main" val="3619169537"/>
       </p:ext>
     </p:extLst>
   </p:cSld>
@@ -3106,8 +3113,8 @@
         </p:blipFill>
         <p:spPr>
           <a:xfrm>
-            <a:off x="3593399" y="751799"/>
-            <a:ext cx="5005201" cy="5354401"/>
+            <a:off x="3593399" y="790599"/>
+            <a:ext cx="5005201" cy="5276801"/>
           </a:xfrm>
           <a:prstGeom prst="rect">
             <a:avLst/>
@@ -3117,7 +3124,7 @@
     </p:spTree>
     <p:extLst>
       <p:ext uri="{BB962C8B-B14F-4D97-AF65-F5344CB8AC3E}">
-        <p14:creationId xmlns:p14="http://schemas.microsoft.com/office/powerpoint/2010/main" val="989768509"/>
+        <p14:creationId xmlns:p14="http://schemas.microsoft.com/office/powerpoint/2010/main" val="268933486"/>
       </p:ext>
     </p:extLst>
   </p:cSld>
@@ -3160,8 +3167,8 @@
         </p:blipFill>
         <p:spPr>
           <a:xfrm>
-            <a:off x="3528899" y="751799"/>
-            <a:ext cx="5134201" cy="5354401"/>
+            <a:off x="3580499" y="738866"/>
+            <a:ext cx="5031001" cy="5380268"/>
           </a:xfrm>
           <a:prstGeom prst="rect">
             <a:avLst/>
@@ -3171,7 +3178,7 @@
     </p:spTree>
     <p:extLst>
       <p:ext uri="{BB962C8B-B14F-4D97-AF65-F5344CB8AC3E}">
-        <p14:creationId xmlns:p14="http://schemas.microsoft.com/office/powerpoint/2010/main" val="1578503073"/>
+        <p14:creationId xmlns:p14="http://schemas.microsoft.com/office/powerpoint/2010/main" val="593775575"/>
       </p:ext>
     </p:extLst>
   </p:cSld>
@@ -3214,8 +3221,8 @@
         </p:blipFill>
         <p:spPr>
           <a:xfrm>
-            <a:off x="3825599" y="687133"/>
-            <a:ext cx="4540801" cy="5483734"/>
+            <a:off x="3593399" y="751799"/>
+            <a:ext cx="5005201" cy="5354401"/>
           </a:xfrm>
           <a:prstGeom prst="rect">
             <a:avLst/>
@@ -3225,7 +3232,7 @@
     </p:spTree>
     <p:extLst>
       <p:ext uri="{BB962C8B-B14F-4D97-AF65-F5344CB8AC3E}">
-        <p14:creationId xmlns:p14="http://schemas.microsoft.com/office/powerpoint/2010/main" val="3590576882"/>
+        <p14:creationId xmlns:p14="http://schemas.microsoft.com/office/powerpoint/2010/main" val="989768509"/>
       </p:ext>
     </p:extLst>
   </p:cSld>
@@ -3268,8 +3275,8 @@
         </p:blipFill>
         <p:spPr>
           <a:xfrm>
-            <a:off x="3838499" y="687133"/>
-            <a:ext cx="4515001" cy="5483734"/>
+            <a:off x="3528899" y="751799"/>
+            <a:ext cx="5134201" cy="5354401"/>
           </a:xfrm>
           <a:prstGeom prst="rect">
             <a:avLst/>
@@ -3279,7 +3286,7 @@
     </p:spTree>
     <p:extLst>
       <p:ext uri="{BB962C8B-B14F-4D97-AF65-F5344CB8AC3E}">
-        <p14:creationId xmlns:p14="http://schemas.microsoft.com/office/powerpoint/2010/main" val="3483450215"/>
+        <p14:creationId xmlns:p14="http://schemas.microsoft.com/office/powerpoint/2010/main" val="1578503073"/>
       </p:ext>
     </p:extLst>
   </p:cSld>
@@ -3322,8 +3329,8 @@
         </p:blipFill>
         <p:spPr>
           <a:xfrm>
-            <a:off x="3748199" y="722699"/>
-            <a:ext cx="4695601" cy="5412601"/>
+            <a:off x="3825599" y="687133"/>
+            <a:ext cx="4540801" cy="5483734"/>
           </a:xfrm>
           <a:prstGeom prst="rect">
             <a:avLst/>
@@ -3333,7 +3340,7 @@
     </p:spTree>
     <p:extLst>
       <p:ext uri="{BB962C8B-B14F-4D97-AF65-F5344CB8AC3E}">
-        <p14:creationId xmlns:p14="http://schemas.microsoft.com/office/powerpoint/2010/main" val="4107206475"/>
+        <p14:creationId xmlns:p14="http://schemas.microsoft.com/office/powerpoint/2010/main" val="3590576882"/>
       </p:ext>
     </p:extLst>
   </p:cSld>
@@ -3376,8 +3383,8 @@
         </p:blipFill>
         <p:spPr>
           <a:xfrm>
-            <a:off x="3696599" y="683899"/>
-            <a:ext cx="4798801" cy="5490201"/>
+            <a:off x="3838499" y="687133"/>
+            <a:ext cx="4515001" cy="5483734"/>
           </a:xfrm>
           <a:prstGeom prst="rect">
             <a:avLst/>
@@ -3387,7 +3394,7 @@
     </p:spTree>
     <p:extLst>
       <p:ext uri="{BB962C8B-B14F-4D97-AF65-F5344CB8AC3E}">
-        <p14:creationId xmlns:p14="http://schemas.microsoft.com/office/powerpoint/2010/main" val="2279172603"/>
+        <p14:creationId xmlns:p14="http://schemas.microsoft.com/office/powerpoint/2010/main" val="3483450215"/>
       </p:ext>
     </p:extLst>
   </p:cSld>
@@ -3430,8 +3437,8 @@
         </p:blipFill>
         <p:spPr>
           <a:xfrm>
-            <a:off x="3786899" y="700066"/>
-            <a:ext cx="4618201" cy="5457868"/>
+            <a:off x="3748199" y="722699"/>
+            <a:ext cx="4695601" cy="5412601"/>
           </a:xfrm>
           <a:prstGeom prst="rect">
             <a:avLst/>
@@ -3441,7 +3448,7 @@
     </p:spTree>
     <p:extLst>
       <p:ext uri="{BB962C8B-B14F-4D97-AF65-F5344CB8AC3E}">
-        <p14:creationId xmlns:p14="http://schemas.microsoft.com/office/powerpoint/2010/main" val="3526183733"/>
+        <p14:creationId xmlns:p14="http://schemas.microsoft.com/office/powerpoint/2010/main" val="4107206475"/>
       </p:ext>
     </p:extLst>
   </p:cSld>
@@ -3484,8 +3491,8 @@
         </p:blipFill>
         <p:spPr>
           <a:xfrm>
-            <a:off x="2161499" y="693599"/>
-            <a:ext cx="7869001" cy="5470801"/>
+            <a:off x="3696599" y="683899"/>
+            <a:ext cx="4798801" cy="5490201"/>
           </a:xfrm>
           <a:prstGeom prst="rect">
             <a:avLst/>
@@ -3495,7 +3502,7 @@
     </p:spTree>
     <p:extLst>
       <p:ext uri="{BB962C8B-B14F-4D97-AF65-F5344CB8AC3E}">
-        <p14:creationId xmlns:p14="http://schemas.microsoft.com/office/powerpoint/2010/main" val="223318537"/>
+        <p14:creationId xmlns:p14="http://schemas.microsoft.com/office/powerpoint/2010/main" val="2279172603"/>
       </p:ext>
     </p:extLst>
   </p:cSld>
@@ -3538,8 +3545,8 @@
         </p:blipFill>
         <p:spPr>
           <a:xfrm>
-            <a:off x="3786899" y="687133"/>
-            <a:ext cx="4618201" cy="5483734"/>
+            <a:off x="3786899" y="700066"/>
+            <a:ext cx="4618201" cy="5457868"/>
           </a:xfrm>
           <a:prstGeom prst="rect">
             <a:avLst/>
@@ -3549,7 +3556,7 @@
     </p:spTree>
     <p:extLst>
       <p:ext uri="{BB962C8B-B14F-4D97-AF65-F5344CB8AC3E}">
-        <p14:creationId xmlns:p14="http://schemas.microsoft.com/office/powerpoint/2010/main" val="2999698765"/>
+        <p14:creationId xmlns:p14="http://schemas.microsoft.com/office/powerpoint/2010/main" val="3526183733"/>
       </p:ext>
     </p:extLst>
   </p:cSld>
@@ -3560,6 +3567,60 @@
 </file>
 
 <file path=ppt/slides/slide2.xml><?xml version="1.0" encoding="utf-8"?>
+<p:sld xmlns:a="http://schemas.openxmlformats.org/drawingml/2006/main" xmlns:r="http://schemas.openxmlformats.org/officeDocument/2006/relationships" xmlns:p="http://schemas.openxmlformats.org/presentationml/2006/main">
+  <p:cSld>
+    <p:spTree>
+      <p:nvGrpSpPr>
+        <p:cNvPr id="1" name=""/>
+        <p:cNvGrpSpPr/>
+        <p:nvPr/>
+      </p:nvGrpSpPr>
+      <p:grpSpPr>
+        <a:xfrm>
+          <a:off x="0" y="0"/>
+          <a:ext cx="0" cy="0"/>
+          <a:chOff x="0" y="0"/>
+          <a:chExt cx="0" cy="0"/>
+        </a:xfrm>
+      </p:grpSpPr>
+      <p:pic>
+        <p:nvPicPr>
+          <p:cNvPr id="5" name="그림 4"/>
+          <p:cNvPicPr>
+            <a:picLocks noChangeAspect="1"/>
+          </p:cNvPicPr>
+          <p:nvPr/>
+        </p:nvPicPr>
+        <p:blipFill>
+          <a:blip r:embed="rId2"/>
+          <a:stretch>
+            <a:fillRect/>
+          </a:stretch>
+        </p:blipFill>
+        <p:spPr>
+          <a:xfrm>
+            <a:off x="1529479" y="2032314"/>
+            <a:ext cx="8580952" cy="2638095"/>
+          </a:xfrm>
+          <a:prstGeom prst="rect">
+            <a:avLst/>
+          </a:prstGeom>
+        </p:spPr>
+      </p:pic>
+    </p:spTree>
+    <p:extLst>
+      <p:ext uri="{BB962C8B-B14F-4D97-AF65-F5344CB8AC3E}">
+        <p14:creationId xmlns:p14="http://schemas.microsoft.com/office/powerpoint/2010/main" val="1427841390"/>
+      </p:ext>
+    </p:extLst>
+  </p:cSld>
+  <p:clrMapOvr>
+    <a:masterClrMapping/>
+  </p:clrMapOvr>
+</p:sld>
+</file>
+
+<file path=ppt/slides/slide20.xml><?xml version="1.0" encoding="utf-8"?>
 <p:sld xmlns:a="http://schemas.openxmlformats.org/drawingml/2006/main" xmlns:r="http://schemas.openxmlformats.org/officeDocument/2006/relationships" xmlns:p="http://schemas.openxmlformats.org/presentationml/2006/main">
   <p:cSld>
     <p:spTree>
@@ -3592,8 +3653,8 @@
         </p:blipFill>
         <p:spPr>
           <a:xfrm>
-            <a:off x="2896799" y="1003999"/>
-            <a:ext cx="6398401" cy="4850001"/>
+            <a:off x="2161499" y="693599"/>
+            <a:ext cx="7869001" cy="5470801"/>
           </a:xfrm>
           <a:prstGeom prst="rect">
             <a:avLst/>
@@ -3603,7 +3664,61 @@
     </p:spTree>
     <p:extLst>
       <p:ext uri="{BB962C8B-B14F-4D97-AF65-F5344CB8AC3E}">
-        <p14:creationId xmlns:p14="http://schemas.microsoft.com/office/powerpoint/2010/main" val="784116625"/>
+        <p14:creationId xmlns:p14="http://schemas.microsoft.com/office/powerpoint/2010/main" val="223318537"/>
+      </p:ext>
+    </p:extLst>
+  </p:cSld>
+  <p:clrMapOvr>
+    <a:masterClrMapping/>
+  </p:clrMapOvr>
+</p:sld>
+</file>
+
+<file path=ppt/slides/slide21.xml><?xml version="1.0" encoding="utf-8"?>
+<p:sld xmlns:a="http://schemas.openxmlformats.org/drawingml/2006/main" xmlns:r="http://schemas.openxmlformats.org/officeDocument/2006/relationships" xmlns:p="http://schemas.openxmlformats.org/presentationml/2006/main">
+  <p:cSld>
+    <p:spTree>
+      <p:nvGrpSpPr>
+        <p:cNvPr id="1" name=""/>
+        <p:cNvGrpSpPr/>
+        <p:nvPr/>
+      </p:nvGrpSpPr>
+      <p:grpSpPr>
+        <a:xfrm>
+          <a:off x="0" y="0"/>
+          <a:ext cx="0" cy="0"/>
+          <a:chOff x="0" y="0"/>
+          <a:chExt cx="0" cy="0"/>
+        </a:xfrm>
+      </p:grpSpPr>
+      <p:pic>
+        <p:nvPicPr>
+          <p:cNvPr id="4" name="그림 3"/>
+          <p:cNvPicPr>
+            <a:picLocks noChangeAspect="1"/>
+          </p:cNvPicPr>
+          <p:nvPr/>
+        </p:nvPicPr>
+        <p:blipFill>
+          <a:blip r:embed="rId2"/>
+          <a:stretch>
+            <a:fillRect/>
+          </a:stretch>
+        </p:blipFill>
+        <p:spPr>
+          <a:xfrm>
+            <a:off x="3786899" y="687133"/>
+            <a:ext cx="4618201" cy="5483734"/>
+          </a:xfrm>
+          <a:prstGeom prst="rect">
+            <a:avLst/>
+          </a:prstGeom>
+        </p:spPr>
+      </p:pic>
+    </p:spTree>
+    <p:extLst>
+      <p:ext uri="{BB962C8B-B14F-4D97-AF65-F5344CB8AC3E}">
+        <p14:creationId xmlns:p14="http://schemas.microsoft.com/office/powerpoint/2010/main" val="2999698765"/>
       </p:ext>
     </p:extLst>
   </p:cSld>
@@ -3646,8 +3761,8 @@
         </p:blipFill>
         <p:spPr>
           <a:xfrm>
-            <a:off x="2948399" y="1003999"/>
-            <a:ext cx="6295201" cy="4850001"/>
+            <a:off x="2729099" y="1013699"/>
+            <a:ext cx="6733801" cy="4830601"/>
           </a:xfrm>
           <a:prstGeom prst="rect">
             <a:avLst/>
@@ -3657,7 +3772,7 @@
     </p:spTree>
     <p:extLst>
       <p:ext uri="{BB962C8B-B14F-4D97-AF65-F5344CB8AC3E}">
-        <p14:creationId xmlns:p14="http://schemas.microsoft.com/office/powerpoint/2010/main" val="487348016"/>
+        <p14:creationId xmlns:p14="http://schemas.microsoft.com/office/powerpoint/2010/main" val="2158067768"/>
       </p:ext>
     </p:extLst>
   </p:cSld>
@@ -3700,8 +3815,8 @@
         </p:blipFill>
         <p:spPr>
           <a:xfrm>
-            <a:off x="2935499" y="939333"/>
-            <a:ext cx="6321001" cy="4979334"/>
+            <a:off x="2896799" y="1003999"/>
+            <a:ext cx="6398401" cy="4850001"/>
           </a:xfrm>
           <a:prstGeom prst="rect">
             <a:avLst/>
@@ -3711,7 +3826,7 @@
     </p:spTree>
     <p:extLst>
       <p:ext uri="{BB962C8B-B14F-4D97-AF65-F5344CB8AC3E}">
-        <p14:creationId xmlns:p14="http://schemas.microsoft.com/office/powerpoint/2010/main" val="1121142146"/>
+        <p14:creationId xmlns:p14="http://schemas.microsoft.com/office/powerpoint/2010/main" val="784116625"/>
       </p:ext>
     </p:extLst>
   </p:cSld>
@@ -3754,8 +3869,8 @@
         </p:blipFill>
         <p:spPr>
           <a:xfrm>
-            <a:off x="2948399" y="942566"/>
-            <a:ext cx="6295201" cy="4972867"/>
+            <a:off x="2948399" y="1003999"/>
+            <a:ext cx="6295201" cy="4850001"/>
           </a:xfrm>
           <a:prstGeom prst="rect">
             <a:avLst/>
@@ -3765,7 +3880,7 @@
     </p:spTree>
     <p:extLst>
       <p:ext uri="{BB962C8B-B14F-4D97-AF65-F5344CB8AC3E}">
-        <p14:creationId xmlns:p14="http://schemas.microsoft.com/office/powerpoint/2010/main" val="3165868263"/>
+        <p14:creationId xmlns:p14="http://schemas.microsoft.com/office/powerpoint/2010/main" val="487348016"/>
       </p:ext>
     </p:extLst>
   </p:cSld>
@@ -3808,8 +3923,8 @@
         </p:blipFill>
         <p:spPr>
           <a:xfrm>
-            <a:off x="2935499" y="936099"/>
-            <a:ext cx="6321001" cy="4985801"/>
+            <a:off x="2935499" y="939333"/>
+            <a:ext cx="6321001" cy="4979334"/>
           </a:xfrm>
           <a:prstGeom prst="rect">
             <a:avLst/>
@@ -3819,7 +3934,7 @@
     </p:spTree>
     <p:extLst>
       <p:ext uri="{BB962C8B-B14F-4D97-AF65-F5344CB8AC3E}">
-        <p14:creationId xmlns:p14="http://schemas.microsoft.com/office/powerpoint/2010/main" val="3393975461"/>
+        <p14:creationId xmlns:p14="http://schemas.microsoft.com/office/powerpoint/2010/main" val="1121142146"/>
       </p:ext>
     </p:extLst>
   </p:cSld>
@@ -3862,8 +3977,8 @@
         </p:blipFill>
         <p:spPr>
           <a:xfrm>
-            <a:off x="3270899" y="719466"/>
-            <a:ext cx="5650201" cy="5419068"/>
+            <a:off x="2948399" y="942566"/>
+            <a:ext cx="6295201" cy="4972867"/>
           </a:xfrm>
           <a:prstGeom prst="rect">
             <a:avLst/>
@@ -3873,7 +3988,7 @@
     </p:spTree>
     <p:extLst>
       <p:ext uri="{BB962C8B-B14F-4D97-AF65-F5344CB8AC3E}">
-        <p14:creationId xmlns:p14="http://schemas.microsoft.com/office/powerpoint/2010/main" val="3961871646"/>
+        <p14:creationId xmlns:p14="http://schemas.microsoft.com/office/powerpoint/2010/main" val="3165868263"/>
       </p:ext>
     </p:extLst>
   </p:cSld>
@@ -3916,8 +4031,8 @@
         </p:blipFill>
         <p:spPr>
           <a:xfrm>
-            <a:off x="3296699" y="706533"/>
-            <a:ext cx="5598601" cy="5444934"/>
+            <a:off x="2935499" y="936099"/>
+            <a:ext cx="6321001" cy="4985801"/>
           </a:xfrm>
           <a:prstGeom prst="rect">
             <a:avLst/>
@@ -3927,7 +4042,7 @@
     </p:spTree>
     <p:extLst>
       <p:ext uri="{BB962C8B-B14F-4D97-AF65-F5344CB8AC3E}">
-        <p14:creationId xmlns:p14="http://schemas.microsoft.com/office/powerpoint/2010/main" val="3619169537"/>
+        <p14:creationId xmlns:p14="http://schemas.microsoft.com/office/powerpoint/2010/main" val="3393975461"/>
       </p:ext>
     </p:extLst>
   </p:cSld>
@@ -3970,8 +4085,8 @@
         </p:blipFill>
         <p:spPr>
           <a:xfrm>
-            <a:off x="3593399" y="790599"/>
-            <a:ext cx="5005201" cy="5276801"/>
+            <a:off x="3270899" y="719466"/>
+            <a:ext cx="5650201" cy="5419068"/>
           </a:xfrm>
           <a:prstGeom prst="rect">
             <a:avLst/>
@@ -3981,7 +4096,7 @@
     </p:spTree>
     <p:extLst>
       <p:ext uri="{BB962C8B-B14F-4D97-AF65-F5344CB8AC3E}">
-        <p14:creationId xmlns:p14="http://schemas.microsoft.com/office/powerpoint/2010/main" val="268933486"/>
+        <p14:creationId xmlns:p14="http://schemas.microsoft.com/office/powerpoint/2010/main" val="3961871646"/>
       </p:ext>
     </p:extLst>
   </p:cSld>

--- a/chap4/chap4.pptx
+++ b/chap4/chap4.pptx
@@ -21,11 +21,13 @@
     <p:sldId id="267" r:id="rId15"/>
     <p:sldId id="268" r:id="rId16"/>
     <p:sldId id="269" r:id="rId17"/>
-    <p:sldId id="270" r:id="rId18"/>
-    <p:sldId id="271" r:id="rId19"/>
-    <p:sldId id="272" r:id="rId20"/>
-    <p:sldId id="273" r:id="rId21"/>
-    <p:sldId id="274" r:id="rId22"/>
+    <p:sldId id="277" r:id="rId18"/>
+    <p:sldId id="270" r:id="rId19"/>
+    <p:sldId id="271" r:id="rId20"/>
+    <p:sldId id="272" r:id="rId21"/>
+    <p:sldId id="273" r:id="rId22"/>
+    <p:sldId id="274" r:id="rId23"/>
+    <p:sldId id="278" r:id="rId24"/>
   </p:sldIdLst>
   <p:sldSz cx="12192000" cy="6858000"/>
   <p:notesSz cx="6858000" cy="9144000"/>
@@ -263,7 +265,7 @@
           <a:p>
             <a:fld id="{07A7AF59-AB7D-469C-9BB3-B90E4741DA4D}" type="datetimeFigureOut">
               <a:rPr lang="ko-KR" altLang="en-US" smtClean="0"/>
-              <a:t>2022-01-17</a:t>
+              <a:t>2022-01-18</a:t>
             </a:fld>
             <a:endParaRPr lang="ko-KR" altLang="en-US"/>
           </a:p>
@@ -433,7 +435,7 @@
           <a:p>
             <a:fld id="{07A7AF59-AB7D-469C-9BB3-B90E4741DA4D}" type="datetimeFigureOut">
               <a:rPr lang="ko-KR" altLang="en-US" smtClean="0"/>
-              <a:t>2022-01-17</a:t>
+              <a:t>2022-01-18</a:t>
             </a:fld>
             <a:endParaRPr lang="ko-KR" altLang="en-US"/>
           </a:p>
@@ -613,7 +615,7 @@
           <a:p>
             <a:fld id="{07A7AF59-AB7D-469C-9BB3-B90E4741DA4D}" type="datetimeFigureOut">
               <a:rPr lang="ko-KR" altLang="en-US" smtClean="0"/>
-              <a:t>2022-01-17</a:t>
+              <a:t>2022-01-18</a:t>
             </a:fld>
             <a:endParaRPr lang="ko-KR" altLang="en-US"/>
           </a:p>
@@ -783,7 +785,7 @@
           <a:p>
             <a:fld id="{07A7AF59-AB7D-469C-9BB3-B90E4741DA4D}" type="datetimeFigureOut">
               <a:rPr lang="ko-KR" altLang="en-US" smtClean="0"/>
-              <a:t>2022-01-17</a:t>
+              <a:t>2022-01-18</a:t>
             </a:fld>
             <a:endParaRPr lang="ko-KR" altLang="en-US"/>
           </a:p>
@@ -1029,7 +1031,7 @@
           <a:p>
             <a:fld id="{07A7AF59-AB7D-469C-9BB3-B90E4741DA4D}" type="datetimeFigureOut">
               <a:rPr lang="ko-KR" altLang="en-US" smtClean="0"/>
-              <a:t>2022-01-17</a:t>
+              <a:t>2022-01-18</a:t>
             </a:fld>
             <a:endParaRPr lang="ko-KR" altLang="en-US"/>
           </a:p>
@@ -1261,7 +1263,7 @@
           <a:p>
             <a:fld id="{07A7AF59-AB7D-469C-9BB3-B90E4741DA4D}" type="datetimeFigureOut">
               <a:rPr lang="ko-KR" altLang="en-US" smtClean="0"/>
-              <a:t>2022-01-17</a:t>
+              <a:t>2022-01-18</a:t>
             </a:fld>
             <a:endParaRPr lang="ko-KR" altLang="en-US"/>
           </a:p>
@@ -1628,7 +1630,7 @@
           <a:p>
             <a:fld id="{07A7AF59-AB7D-469C-9BB3-B90E4741DA4D}" type="datetimeFigureOut">
               <a:rPr lang="ko-KR" altLang="en-US" smtClean="0"/>
-              <a:t>2022-01-17</a:t>
+              <a:t>2022-01-18</a:t>
             </a:fld>
             <a:endParaRPr lang="ko-KR" altLang="en-US"/>
           </a:p>
@@ -1746,7 +1748,7 @@
           <a:p>
             <a:fld id="{07A7AF59-AB7D-469C-9BB3-B90E4741DA4D}" type="datetimeFigureOut">
               <a:rPr lang="ko-KR" altLang="en-US" smtClean="0"/>
-              <a:t>2022-01-17</a:t>
+              <a:t>2022-01-18</a:t>
             </a:fld>
             <a:endParaRPr lang="ko-KR" altLang="en-US"/>
           </a:p>
@@ -1841,7 +1843,7 @@
           <a:p>
             <a:fld id="{07A7AF59-AB7D-469C-9BB3-B90E4741DA4D}" type="datetimeFigureOut">
               <a:rPr lang="ko-KR" altLang="en-US" smtClean="0"/>
-              <a:t>2022-01-17</a:t>
+              <a:t>2022-01-18</a:t>
             </a:fld>
             <a:endParaRPr lang="ko-KR" altLang="en-US"/>
           </a:p>
@@ -2118,7 +2120,7 @@
           <a:p>
             <a:fld id="{07A7AF59-AB7D-469C-9BB3-B90E4741DA4D}" type="datetimeFigureOut">
               <a:rPr lang="ko-KR" altLang="en-US" smtClean="0"/>
-              <a:t>2022-01-17</a:t>
+              <a:t>2022-01-18</a:t>
             </a:fld>
             <a:endParaRPr lang="ko-KR" altLang="en-US"/>
           </a:p>
@@ -2371,7 +2373,7 @@
           <a:p>
             <a:fld id="{07A7AF59-AB7D-469C-9BB3-B90E4741DA4D}" type="datetimeFigureOut">
               <a:rPr lang="ko-KR" altLang="en-US" smtClean="0"/>
-              <a:t>2022-01-17</a:t>
+              <a:t>2022-01-18</a:t>
             </a:fld>
             <a:endParaRPr lang="ko-KR" altLang="en-US"/>
           </a:p>
@@ -2584,7 +2586,7 @@
           <a:p>
             <a:fld id="{07A7AF59-AB7D-469C-9BB3-B90E4741DA4D}" type="datetimeFigureOut">
               <a:rPr lang="ko-KR" altLang="en-US" smtClean="0"/>
-              <a:t>2022-01-17</a:t>
+              <a:t>2022-01-18</a:t>
             </a:fld>
             <a:endParaRPr lang="ko-KR" altLang="en-US"/>
           </a:p>
@@ -3421,6 +3423,811 @@
           <a:chExt cx="0" cy="0"/>
         </a:xfrm>
       </p:grpSpPr>
+      <p:grpSp>
+        <p:nvGrpSpPr>
+          <p:cNvPr id="24" name="그룹 23"/>
+          <p:cNvGrpSpPr/>
+          <p:nvPr/>
+        </p:nvGrpSpPr>
+        <p:grpSpPr>
+          <a:xfrm>
+            <a:off x="756799" y="462296"/>
+            <a:ext cx="9719162" cy="5859172"/>
+            <a:chOff x="756799" y="462296"/>
+            <a:chExt cx="9719162" cy="5859172"/>
+          </a:xfrm>
+        </p:grpSpPr>
+        <p:pic>
+          <p:nvPicPr>
+            <p:cNvPr id="1026" name="Picture 2" descr="https://jthomasmock.github.io/gtExtras/reference/figures/ggplot2-sparkline.png"/>
+            <p:cNvPicPr>
+              <a:picLocks noChangeAspect="1" noChangeArrowheads="1"/>
+            </p:cNvPicPr>
+            <p:nvPr/>
+          </p:nvPicPr>
+          <p:blipFill>
+            <a:blip r:embed="rId2">
+              <a:extLst>
+                <a:ext uri="{28A0092B-C50C-407E-A947-70E740481C1C}">
+                  <a14:useLocalDpi xmlns:a14="http://schemas.microsoft.com/office/drawing/2010/main" val="0"/>
+                </a:ext>
+              </a:extLst>
+            </a:blip>
+            <a:srcRect/>
+            <a:stretch>
+              <a:fillRect/>
+            </a:stretch>
+          </p:blipFill>
+          <p:spPr bwMode="auto">
+            <a:xfrm>
+              <a:off x="939133" y="772281"/>
+              <a:ext cx="1463129" cy="1458669"/>
+            </a:xfrm>
+            <a:prstGeom prst="rect">
+              <a:avLst/>
+            </a:prstGeom>
+            <a:noFill/>
+            <a:extLst>
+              <a:ext uri="{909E8E84-426E-40DD-AFC4-6F175D3DCCD1}">
+                <a14:hiddenFill xmlns:a14="http://schemas.microsoft.com/office/drawing/2010/main">
+                  <a:solidFill>
+                    <a:srgbClr val="FFFFFF"/>
+                  </a:solidFill>
+                </a14:hiddenFill>
+              </a:ext>
+            </a:extLst>
+          </p:spPr>
+        </p:pic>
+        <p:pic>
+          <p:nvPicPr>
+            <p:cNvPr id="1028" name="Picture 4" descr="https://jthomasmock.github.io/gtExtras/reference/figures/gt_plt_sparkline.png"/>
+            <p:cNvPicPr>
+              <a:picLocks noChangeAspect="1" noChangeArrowheads="1"/>
+            </p:cNvPicPr>
+            <p:nvPr/>
+          </p:nvPicPr>
+          <p:blipFill>
+            <a:blip r:embed="rId3">
+              <a:extLst>
+                <a:ext uri="{28A0092B-C50C-407E-A947-70E740481C1C}">
+                  <a14:useLocalDpi xmlns:a14="http://schemas.microsoft.com/office/drawing/2010/main" val="0"/>
+                </a:ext>
+              </a:extLst>
+            </a:blip>
+            <a:srcRect/>
+            <a:stretch>
+              <a:fillRect/>
+            </a:stretch>
+          </p:blipFill>
+          <p:spPr bwMode="auto">
+            <a:xfrm>
+              <a:off x="3502003" y="772739"/>
+              <a:ext cx="1462210" cy="1457753"/>
+            </a:xfrm>
+            <a:prstGeom prst="rect">
+              <a:avLst/>
+            </a:prstGeom>
+            <a:noFill/>
+            <a:extLst>
+              <a:ext uri="{909E8E84-426E-40DD-AFC4-6F175D3DCCD1}">
+                <a14:hiddenFill xmlns:a14="http://schemas.microsoft.com/office/drawing/2010/main">
+                  <a:solidFill>
+                    <a:srgbClr val="FFFFFF"/>
+                  </a:solidFill>
+                </a14:hiddenFill>
+              </a:ext>
+            </a:extLst>
+          </p:spPr>
+        </p:pic>
+        <p:pic>
+          <p:nvPicPr>
+            <p:cNvPr id="1030" name="Picture 6" descr="https://jthomasmock.github.io/gtExtras/reference/figures/ggplot2-sparkline.png"/>
+            <p:cNvPicPr>
+              <a:picLocks noChangeAspect="1" noChangeArrowheads="1"/>
+            </p:cNvPicPr>
+            <p:nvPr/>
+          </p:nvPicPr>
+          <p:blipFill>
+            <a:blip r:embed="rId2">
+              <a:extLst>
+                <a:ext uri="{28A0092B-C50C-407E-A947-70E740481C1C}">
+                  <a14:useLocalDpi xmlns:a14="http://schemas.microsoft.com/office/drawing/2010/main" val="0"/>
+                </a:ext>
+              </a:extLst>
+            </a:blip>
+            <a:srcRect/>
+            <a:stretch>
+              <a:fillRect/>
+            </a:stretch>
+          </p:blipFill>
+          <p:spPr bwMode="auto">
+            <a:xfrm>
+              <a:off x="6235155" y="772280"/>
+              <a:ext cx="1463130" cy="1458670"/>
+            </a:xfrm>
+            <a:prstGeom prst="rect">
+              <a:avLst/>
+            </a:prstGeom>
+            <a:noFill/>
+            <a:extLst>
+              <a:ext uri="{909E8E84-426E-40DD-AFC4-6F175D3DCCD1}">
+                <a14:hiddenFill xmlns:a14="http://schemas.microsoft.com/office/drawing/2010/main">
+                  <a:solidFill>
+                    <a:srgbClr val="FFFFFF"/>
+                  </a:solidFill>
+                </a14:hiddenFill>
+              </a:ext>
+            </a:extLst>
+          </p:spPr>
+        </p:pic>
+        <p:pic>
+          <p:nvPicPr>
+            <p:cNvPr id="1032" name="Picture 8" descr="https://jthomasmock.github.io/gtExtras/reference/figures/gt_plt_bar.png"/>
+            <p:cNvPicPr>
+              <a:picLocks noChangeAspect="1" noChangeArrowheads="1"/>
+            </p:cNvPicPr>
+            <p:nvPr/>
+          </p:nvPicPr>
+          <p:blipFill rotWithShape="1">
+            <a:blip r:embed="rId4" cstate="print">
+              <a:extLst>
+                <a:ext uri="{28A0092B-C50C-407E-A947-70E740481C1C}">
+                  <a14:useLocalDpi xmlns:a14="http://schemas.microsoft.com/office/drawing/2010/main" val="0"/>
+                </a:ext>
+              </a:extLst>
+            </a:blip>
+            <a:srcRect l="52600"/>
+            <a:stretch/>
+          </p:blipFill>
+          <p:spPr bwMode="auto">
+            <a:xfrm>
+              <a:off x="8567443" y="774719"/>
+              <a:ext cx="1644163" cy="1453792"/>
+            </a:xfrm>
+            <a:prstGeom prst="rect">
+              <a:avLst/>
+            </a:prstGeom>
+            <a:noFill/>
+            <a:extLst>
+              <a:ext uri="{909E8E84-426E-40DD-AFC4-6F175D3DCCD1}">
+                <a14:hiddenFill xmlns:a14="http://schemas.microsoft.com/office/drawing/2010/main">
+                  <a:solidFill>
+                    <a:srgbClr val="FFFFFF"/>
+                  </a:solidFill>
+                </a14:hiddenFill>
+              </a:ext>
+            </a:extLst>
+          </p:spPr>
+        </p:pic>
+        <p:pic>
+          <p:nvPicPr>
+            <p:cNvPr id="1034" name="Picture 10" descr="https://jthomasmock.github.io/gtExtras/reference/figures/gt_bar_plot.png"/>
+            <p:cNvPicPr>
+              <a:picLocks noChangeAspect="1" noChangeArrowheads="1"/>
+            </p:cNvPicPr>
+            <p:nvPr/>
+          </p:nvPicPr>
+          <p:blipFill rotWithShape="1">
+            <a:blip r:embed="rId5" cstate="print">
+              <a:extLst>
+                <a:ext uri="{28A0092B-C50C-407E-A947-70E740481C1C}">
+                  <a14:useLocalDpi xmlns:a14="http://schemas.microsoft.com/office/drawing/2010/main" val="0"/>
+                </a:ext>
+              </a:extLst>
+            </a:blip>
+            <a:srcRect l="26259"/>
+            <a:stretch/>
+          </p:blipFill>
+          <p:spPr bwMode="auto">
+            <a:xfrm>
+              <a:off x="756799" y="2816886"/>
+              <a:ext cx="1827798" cy="1453792"/>
+            </a:xfrm>
+            <a:prstGeom prst="rect">
+              <a:avLst/>
+            </a:prstGeom>
+            <a:noFill/>
+            <a:extLst>
+              <a:ext uri="{909E8E84-426E-40DD-AFC4-6F175D3DCCD1}">
+                <a14:hiddenFill xmlns:a14="http://schemas.microsoft.com/office/drawing/2010/main">
+                  <a:solidFill>
+                    <a:srgbClr val="FFFFFF"/>
+                  </a:solidFill>
+                </a14:hiddenFill>
+              </a:ext>
+            </a:extLst>
+          </p:spPr>
+        </p:pic>
+        <p:pic>
+          <p:nvPicPr>
+            <p:cNvPr id="1036" name="Picture 12" descr="https://jthomasmock.github.io/gtExtras/reference/figures/plt-bar-stack.png"/>
+            <p:cNvPicPr>
+              <a:picLocks noChangeAspect="1" noChangeArrowheads="1"/>
+            </p:cNvPicPr>
+            <p:nvPr/>
+          </p:nvPicPr>
+          <p:blipFill>
+            <a:blip r:embed="rId6" cstate="print">
+              <a:extLst>
+                <a:ext uri="{28A0092B-C50C-407E-A947-70E740481C1C}">
+                  <a14:useLocalDpi xmlns:a14="http://schemas.microsoft.com/office/drawing/2010/main" val="0"/>
+                </a:ext>
+              </a:extLst>
+            </a:blip>
+            <a:srcRect/>
+            <a:stretch>
+              <a:fillRect/>
+            </a:stretch>
+          </p:blipFill>
+          <p:spPr bwMode="auto">
+            <a:xfrm>
+              <a:off x="3060751" y="2814394"/>
+              <a:ext cx="2344715" cy="1458776"/>
+            </a:xfrm>
+            <a:prstGeom prst="rect">
+              <a:avLst/>
+            </a:prstGeom>
+            <a:noFill/>
+            <a:extLst>
+              <a:ext uri="{909E8E84-426E-40DD-AFC4-6F175D3DCCD1}">
+                <a14:hiddenFill xmlns:a14="http://schemas.microsoft.com/office/drawing/2010/main">
+                  <a:solidFill>
+                    <a:srgbClr val="FFFFFF"/>
+                  </a:solidFill>
+                </a14:hiddenFill>
+              </a:ext>
+            </a:extLst>
+          </p:spPr>
+        </p:pic>
+        <p:pic>
+          <p:nvPicPr>
+            <p:cNvPr id="1038" name="Picture 14" descr="https://jthomasmock.github.io/gtExtras/reference/figures/gt_bullet.png"/>
+            <p:cNvPicPr>
+              <a:picLocks noChangeAspect="1" noChangeArrowheads="1"/>
+            </p:cNvPicPr>
+            <p:nvPr/>
+          </p:nvPicPr>
+          <p:blipFill rotWithShape="1">
+            <a:blip r:embed="rId7">
+              <a:extLst>
+                <a:ext uri="{28A0092B-C50C-407E-A947-70E740481C1C}">
+                  <a14:useLocalDpi xmlns:a14="http://schemas.microsoft.com/office/drawing/2010/main" val="0"/>
+                </a:ext>
+              </a:extLst>
+            </a:blip>
+            <a:srcRect l="48966" b="49695"/>
+            <a:stretch/>
+          </p:blipFill>
+          <p:spPr bwMode="auto">
+            <a:xfrm>
+              <a:off x="5819119" y="2814394"/>
+              <a:ext cx="2295202" cy="1458776"/>
+            </a:xfrm>
+            <a:prstGeom prst="rect">
+              <a:avLst/>
+            </a:prstGeom>
+            <a:noFill/>
+            <a:extLst>
+              <a:ext uri="{909E8E84-426E-40DD-AFC4-6F175D3DCCD1}">
+                <a14:hiddenFill xmlns:a14="http://schemas.microsoft.com/office/drawing/2010/main">
+                  <a:solidFill>
+                    <a:srgbClr val="FFFFFF"/>
+                  </a:solidFill>
+                </a14:hiddenFill>
+              </a:ext>
+            </a:extLst>
+          </p:spPr>
+        </p:pic>
+        <p:pic>
+          <p:nvPicPr>
+            <p:cNvPr id="1040" name="Picture 16" descr="https://jthomasmock.github.io/gtExtras/reference/figures/gt_dot_bar.png"/>
+            <p:cNvPicPr>
+              <a:picLocks noChangeAspect="1" noChangeArrowheads="1"/>
+            </p:cNvPicPr>
+            <p:nvPr/>
+          </p:nvPicPr>
+          <p:blipFill rotWithShape="1">
+            <a:blip r:embed="rId8">
+              <a:extLst>
+                <a:ext uri="{28A0092B-C50C-407E-A947-70E740481C1C}">
+                  <a14:useLocalDpi xmlns:a14="http://schemas.microsoft.com/office/drawing/2010/main" val="0"/>
+                </a:ext>
+              </a:extLst>
+            </a:blip>
+            <a:srcRect b="43796"/>
+            <a:stretch/>
+          </p:blipFill>
+          <p:spPr bwMode="auto">
+            <a:xfrm>
+              <a:off x="8303089" y="2814394"/>
+              <a:ext cx="2172872" cy="1458776"/>
+            </a:xfrm>
+            <a:prstGeom prst="rect">
+              <a:avLst/>
+            </a:prstGeom>
+            <a:noFill/>
+            <a:extLst>
+              <a:ext uri="{909E8E84-426E-40DD-AFC4-6F175D3DCCD1}">
+                <a14:hiddenFill xmlns:a14="http://schemas.microsoft.com/office/drawing/2010/main">
+                  <a:solidFill>
+                    <a:srgbClr val="FFFFFF"/>
+                  </a:solidFill>
+                </a14:hiddenFill>
+              </a:ext>
+            </a:extLst>
+          </p:spPr>
+        </p:pic>
+        <p:pic>
+          <p:nvPicPr>
+            <p:cNvPr id="1042" name="Picture 18" descr="https://jthomasmock.github.io/gtExtras/reference/figures/gt_plt_point.png"/>
+            <p:cNvPicPr>
+              <a:picLocks noChangeAspect="1" noChangeArrowheads="1"/>
+            </p:cNvPicPr>
+            <p:nvPr/>
+          </p:nvPicPr>
+          <p:blipFill rotWithShape="1">
+            <a:blip r:embed="rId9">
+              <a:extLst>
+                <a:ext uri="{28A0092B-C50C-407E-A947-70E740481C1C}">
+                  <a14:useLocalDpi xmlns:a14="http://schemas.microsoft.com/office/drawing/2010/main" val="0"/>
+                </a:ext>
+              </a:extLst>
+            </a:blip>
+            <a:srcRect b="34675"/>
+            <a:stretch/>
+          </p:blipFill>
+          <p:spPr bwMode="auto">
+            <a:xfrm>
+              <a:off x="2215320" y="4859106"/>
+              <a:ext cx="1486241" cy="1462362"/>
+            </a:xfrm>
+            <a:prstGeom prst="rect">
+              <a:avLst/>
+            </a:prstGeom>
+            <a:noFill/>
+            <a:extLst>
+              <a:ext uri="{909E8E84-426E-40DD-AFC4-6F175D3DCCD1}">
+                <a14:hiddenFill xmlns:a14="http://schemas.microsoft.com/office/drawing/2010/main">
+                  <a:solidFill>
+                    <a:srgbClr val="FFFFFF"/>
+                  </a:solidFill>
+                </a14:hiddenFill>
+              </a:ext>
+            </a:extLst>
+          </p:spPr>
+        </p:pic>
+        <p:pic>
+          <p:nvPicPr>
+            <p:cNvPr id="1044" name="Picture 20" descr="https://jthomasmock.github.io/gtExtras/reference/figures/gt_plt_percentile.png"/>
+            <p:cNvPicPr>
+              <a:picLocks noChangeAspect="1" noChangeArrowheads="1"/>
+            </p:cNvPicPr>
+            <p:nvPr/>
+          </p:nvPicPr>
+          <p:blipFill rotWithShape="1">
+            <a:blip r:embed="rId10">
+              <a:extLst>
+                <a:ext uri="{28A0092B-C50C-407E-A947-70E740481C1C}">
+                  <a14:useLocalDpi xmlns:a14="http://schemas.microsoft.com/office/drawing/2010/main" val="0"/>
+                </a:ext>
+              </a:extLst>
+            </a:blip>
+            <a:srcRect b="34213"/>
+            <a:stretch/>
+          </p:blipFill>
+          <p:spPr bwMode="auto">
+            <a:xfrm>
+              <a:off x="4932125" y="4860899"/>
+              <a:ext cx="1303030" cy="1458776"/>
+            </a:xfrm>
+            <a:prstGeom prst="rect">
+              <a:avLst/>
+            </a:prstGeom>
+            <a:noFill/>
+            <a:extLst>
+              <a:ext uri="{909E8E84-426E-40DD-AFC4-6F175D3DCCD1}">
+                <a14:hiddenFill xmlns:a14="http://schemas.microsoft.com/office/drawing/2010/main">
+                  <a:solidFill>
+                    <a:srgbClr val="FFFFFF"/>
+                  </a:solidFill>
+                </a14:hiddenFill>
+              </a:ext>
+            </a:extLst>
+          </p:spPr>
+        </p:pic>
+        <p:pic>
+          <p:nvPicPr>
+            <p:cNvPr id="4" name="그림 3"/>
+            <p:cNvPicPr>
+              <a:picLocks noChangeAspect="1"/>
+            </p:cNvPicPr>
+            <p:nvPr/>
+          </p:nvPicPr>
+          <p:blipFill rotWithShape="1">
+            <a:blip r:embed="rId11"/>
+            <a:srcRect l="35410"/>
+            <a:stretch/>
+          </p:blipFill>
+          <p:spPr>
+            <a:xfrm>
+              <a:off x="7294392" y="4861081"/>
+              <a:ext cx="2174924" cy="1458412"/>
+            </a:xfrm>
+            <a:prstGeom prst="rect">
+              <a:avLst/>
+            </a:prstGeom>
+          </p:spPr>
+        </p:pic>
+        <p:sp>
+          <p:nvSpPr>
+            <p:cNvPr id="5" name="TextBox 4"/>
+            <p:cNvSpPr txBox="1"/>
+            <p:nvPr/>
+          </p:nvSpPr>
+          <p:spPr>
+            <a:xfrm>
+              <a:off x="931392" y="462296"/>
+              <a:ext cx="1478610" cy="338554"/>
+            </a:xfrm>
+            <a:prstGeom prst="rect">
+              <a:avLst/>
+            </a:prstGeom>
+            <a:noFill/>
+          </p:spPr>
+          <p:txBody>
+            <a:bodyPr wrap="none" rtlCol="0">
+              <a:spAutoFit/>
+            </a:bodyPr>
+            <a:lstStyle/>
+            <a:p>
+              <a:pPr algn="ctr"/>
+              <a:r>
+                <a:rPr lang="en-US" altLang="ko-KR" sz="1400" dirty="0" smtClean="0"/>
+                <a:t> </a:t>
+              </a:r>
+              <a:r>
+                <a:rPr lang="en-US" altLang="ko-KR" sz="1600" dirty="0" err="1"/>
+                <a:t>gt_sparkline</a:t>
+              </a:r>
+              <a:r>
+                <a:rPr lang="en-US" altLang="ko-KR" sz="1400" dirty="0" smtClean="0"/>
+                <a:t>  </a:t>
+              </a:r>
+              <a:endParaRPr lang="ko-KR" altLang="en-US" sz="1400" dirty="0"/>
+            </a:p>
+          </p:txBody>
+        </p:sp>
+        <p:sp>
+          <p:nvSpPr>
+            <p:cNvPr id="16" name="TextBox 15"/>
+            <p:cNvSpPr txBox="1"/>
+            <p:nvPr/>
+          </p:nvSpPr>
+          <p:spPr>
+            <a:xfrm>
+              <a:off x="3331098" y="462296"/>
+              <a:ext cx="1804019" cy="338554"/>
+            </a:xfrm>
+            <a:prstGeom prst="rect">
+              <a:avLst/>
+            </a:prstGeom>
+            <a:noFill/>
+          </p:spPr>
+          <p:txBody>
+            <a:bodyPr wrap="none" rtlCol="0">
+              <a:spAutoFit/>
+            </a:bodyPr>
+            <a:lstStyle/>
+            <a:p>
+              <a:pPr algn="ctr"/>
+              <a:r>
+                <a:rPr lang="en-US" altLang="ko-KR" sz="1200" dirty="0" smtClean="0"/>
+                <a:t> </a:t>
+              </a:r>
+              <a:r>
+                <a:rPr lang="en-US" altLang="ko-KR" sz="1600" dirty="0" err="1"/>
+                <a:t>gt_plt_sparkline</a:t>
+              </a:r>
+              <a:r>
+                <a:rPr lang="en-US" altLang="ko-KR" sz="1200" dirty="0" smtClean="0"/>
+                <a:t>  </a:t>
+              </a:r>
+              <a:endParaRPr lang="ko-KR" altLang="en-US" sz="1200" dirty="0"/>
+            </a:p>
+          </p:txBody>
+        </p:sp>
+        <p:sp>
+          <p:nvSpPr>
+            <p:cNvPr id="9" name="직사각형 8"/>
+            <p:cNvSpPr/>
+            <p:nvPr/>
+          </p:nvSpPr>
+          <p:spPr>
+            <a:xfrm>
+              <a:off x="6399898" y="462296"/>
+              <a:ext cx="1133644" cy="338554"/>
+            </a:xfrm>
+            <a:prstGeom prst="rect">
+              <a:avLst/>
+            </a:prstGeom>
+          </p:spPr>
+          <p:txBody>
+            <a:bodyPr wrap="none">
+              <a:spAutoFit/>
+            </a:bodyPr>
+            <a:lstStyle/>
+            <a:p>
+              <a:r>
+                <a:rPr lang="en-US" altLang="ko-KR" sz="1600" dirty="0" err="1"/>
+                <a:t>gt_plt_dist</a:t>
+              </a:r>
+              <a:endParaRPr lang="ko-KR" altLang="en-US" sz="1600" dirty="0"/>
+            </a:p>
+          </p:txBody>
+        </p:sp>
+        <p:sp>
+          <p:nvSpPr>
+            <p:cNvPr id="10" name="직사각형 9"/>
+            <p:cNvSpPr/>
+            <p:nvPr/>
+          </p:nvSpPr>
+          <p:spPr>
+            <a:xfrm>
+              <a:off x="8839373" y="462296"/>
+              <a:ext cx="1100301" cy="338554"/>
+            </a:xfrm>
+            <a:prstGeom prst="rect">
+              <a:avLst/>
+            </a:prstGeom>
+          </p:spPr>
+          <p:txBody>
+            <a:bodyPr wrap="none">
+              <a:spAutoFit/>
+            </a:bodyPr>
+            <a:lstStyle/>
+            <a:p>
+              <a:r>
+                <a:rPr lang="en-US" altLang="ko-KR" sz="1600" dirty="0" err="1"/>
+                <a:t>gt_plt_bar</a:t>
+              </a:r>
+              <a:endParaRPr lang="ko-KR" altLang="en-US" sz="1600" dirty="0"/>
+            </a:p>
+          </p:txBody>
+        </p:sp>
+        <p:sp>
+          <p:nvSpPr>
+            <p:cNvPr id="11" name="직사각형 10"/>
+            <p:cNvSpPr/>
+            <p:nvPr/>
+          </p:nvSpPr>
+          <p:spPr>
+            <a:xfrm>
+              <a:off x="939133" y="2473401"/>
+              <a:ext cx="1480213" cy="338554"/>
+            </a:xfrm>
+            <a:prstGeom prst="rect">
+              <a:avLst/>
+            </a:prstGeom>
+          </p:spPr>
+          <p:txBody>
+            <a:bodyPr wrap="none">
+              <a:spAutoFit/>
+            </a:bodyPr>
+            <a:lstStyle/>
+            <a:p>
+              <a:r>
+                <a:rPr lang="en-US" altLang="ko-KR" sz="1600" dirty="0" err="1"/>
+                <a:t>gt_plt_bar_pct</a:t>
+              </a:r>
+              <a:endParaRPr lang="ko-KR" altLang="en-US" sz="1600" dirty="0"/>
+            </a:p>
+          </p:txBody>
+        </p:sp>
+        <p:sp>
+          <p:nvSpPr>
+            <p:cNvPr id="12" name="직사각형 11"/>
+            <p:cNvSpPr/>
+            <p:nvPr/>
+          </p:nvSpPr>
+          <p:spPr>
+            <a:xfrm>
+              <a:off x="3404835" y="2473401"/>
+              <a:ext cx="1656544" cy="338554"/>
+            </a:xfrm>
+            <a:prstGeom prst="rect">
+              <a:avLst/>
+            </a:prstGeom>
+          </p:spPr>
+          <p:txBody>
+            <a:bodyPr wrap="none">
+              <a:spAutoFit/>
+            </a:bodyPr>
+            <a:lstStyle/>
+            <a:p>
+              <a:r>
+                <a:rPr lang="en-US" altLang="ko-KR" sz="1600" dirty="0" err="1"/>
+                <a:t>gt_plt_bar_stack</a:t>
+              </a:r>
+              <a:endParaRPr lang="ko-KR" altLang="en-US" sz="1600" dirty="0"/>
+            </a:p>
+          </p:txBody>
+        </p:sp>
+        <p:sp>
+          <p:nvSpPr>
+            <p:cNvPr id="14" name="직사각형 13"/>
+            <p:cNvSpPr/>
+            <p:nvPr/>
+          </p:nvSpPr>
+          <p:spPr>
+            <a:xfrm>
+              <a:off x="6303718" y="2473401"/>
+              <a:ext cx="1326004" cy="338554"/>
+            </a:xfrm>
+            <a:prstGeom prst="rect">
+              <a:avLst/>
+            </a:prstGeom>
+          </p:spPr>
+          <p:txBody>
+            <a:bodyPr wrap="none">
+              <a:spAutoFit/>
+            </a:bodyPr>
+            <a:lstStyle/>
+            <a:p>
+              <a:r>
+                <a:rPr lang="en-US" altLang="ko-KR" sz="1600" dirty="0" err="1"/>
+                <a:t>gt_plt_bullet</a:t>
+              </a:r>
+              <a:endParaRPr lang="ko-KR" altLang="en-US" sz="1600" dirty="0"/>
+            </a:p>
+          </p:txBody>
+        </p:sp>
+        <p:sp>
+          <p:nvSpPr>
+            <p:cNvPr id="17" name="직사각형 16"/>
+            <p:cNvSpPr/>
+            <p:nvPr/>
+          </p:nvSpPr>
+          <p:spPr>
+            <a:xfrm>
+              <a:off x="8814032" y="2473401"/>
+              <a:ext cx="1117614" cy="338554"/>
+            </a:xfrm>
+            <a:prstGeom prst="rect">
+              <a:avLst/>
+            </a:prstGeom>
+          </p:spPr>
+          <p:txBody>
+            <a:bodyPr wrap="none">
+              <a:spAutoFit/>
+            </a:bodyPr>
+            <a:lstStyle/>
+            <a:p>
+              <a:r>
+                <a:rPr lang="en-US" altLang="ko-KR" sz="1600" dirty="0" err="1"/>
+                <a:t>gt_plt_dot</a:t>
+              </a:r>
+              <a:endParaRPr lang="ko-KR" altLang="en-US" sz="1600" dirty="0"/>
+            </a:p>
+          </p:txBody>
+        </p:sp>
+        <p:sp>
+          <p:nvSpPr>
+            <p:cNvPr id="19" name="직사각형 18"/>
+            <p:cNvSpPr/>
+            <p:nvPr/>
+          </p:nvSpPr>
+          <p:spPr>
+            <a:xfrm>
+              <a:off x="2314674" y="4515654"/>
+              <a:ext cx="1287532" cy="338554"/>
+            </a:xfrm>
+            <a:prstGeom prst="rect">
+              <a:avLst/>
+            </a:prstGeom>
+          </p:spPr>
+          <p:txBody>
+            <a:bodyPr wrap="none">
+              <a:spAutoFit/>
+            </a:bodyPr>
+            <a:lstStyle/>
+            <a:p>
+              <a:r>
+                <a:rPr lang="en-US" altLang="ko-KR" sz="1600" dirty="0" err="1"/>
+                <a:t>gt_plt_point</a:t>
+              </a:r>
+              <a:endParaRPr lang="ko-KR" altLang="en-US" sz="1600" dirty="0"/>
+            </a:p>
+          </p:txBody>
+        </p:sp>
+        <p:sp>
+          <p:nvSpPr>
+            <p:cNvPr id="21" name="직사각형 20"/>
+            <p:cNvSpPr/>
+            <p:nvPr/>
+          </p:nvSpPr>
+          <p:spPr>
+            <a:xfrm>
+              <a:off x="4726514" y="4515654"/>
+              <a:ext cx="1714252" cy="338554"/>
+            </a:xfrm>
+            <a:prstGeom prst="rect">
+              <a:avLst/>
+            </a:prstGeom>
+          </p:spPr>
+          <p:txBody>
+            <a:bodyPr wrap="none">
+              <a:spAutoFit/>
+            </a:bodyPr>
+            <a:lstStyle/>
+            <a:p>
+              <a:r>
+                <a:rPr lang="en-US" altLang="ko-KR" sz="1600" dirty="0" err="1"/>
+                <a:t>gt_plt_percentile</a:t>
+              </a:r>
+              <a:endParaRPr lang="ko-KR" altLang="en-US" sz="1600" dirty="0"/>
+            </a:p>
+          </p:txBody>
+        </p:sp>
+        <p:sp>
+          <p:nvSpPr>
+            <p:cNvPr id="23" name="직사각형 22"/>
+            <p:cNvSpPr/>
+            <p:nvPr/>
+          </p:nvSpPr>
+          <p:spPr>
+            <a:xfrm>
+              <a:off x="7614657" y="4515654"/>
+              <a:ext cx="1534394" cy="338554"/>
+            </a:xfrm>
+            <a:prstGeom prst="rect">
+              <a:avLst/>
+            </a:prstGeom>
+          </p:spPr>
+          <p:txBody>
+            <a:bodyPr wrap="none">
+              <a:spAutoFit/>
+            </a:bodyPr>
+            <a:lstStyle/>
+            <a:p>
+              <a:r>
+                <a:rPr lang="en-US" altLang="ko-KR" sz="1600" dirty="0" err="1"/>
+                <a:t>gt_plt_conf_int</a:t>
+              </a:r>
+              <a:endParaRPr lang="ko-KR" altLang="en-US" sz="1600" dirty="0"/>
+            </a:p>
+          </p:txBody>
+        </p:sp>
+      </p:grpSp>
+    </p:spTree>
+    <p:extLst>
+      <p:ext uri="{BB962C8B-B14F-4D97-AF65-F5344CB8AC3E}">
+        <p14:creationId xmlns:p14="http://schemas.microsoft.com/office/powerpoint/2010/main" val="1319910828"/>
+      </p:ext>
+    </p:extLst>
+  </p:cSld>
+  <p:clrMapOvr>
+    <a:masterClrMapping/>
+  </p:clrMapOvr>
+</p:sld>
+</file>
+
+<file path=ppt/slides/slide18.xml><?xml version="1.0" encoding="utf-8"?>
+<p:sld xmlns:a="http://schemas.openxmlformats.org/drawingml/2006/main" xmlns:r="http://schemas.openxmlformats.org/officeDocument/2006/relationships" xmlns:p="http://schemas.openxmlformats.org/presentationml/2006/main">
+  <p:cSld>
+    <p:spTree>
+      <p:nvGrpSpPr>
+        <p:cNvPr id="1" name=""/>
+        <p:cNvGrpSpPr/>
+        <p:nvPr/>
+      </p:nvGrpSpPr>
+      <p:grpSpPr>
+        <a:xfrm>
+          <a:off x="0" y="0"/>
+          <a:ext cx="0" cy="0"/>
+          <a:chOff x="0" y="0"/>
+          <a:chExt cx="0" cy="0"/>
+        </a:xfrm>
+      </p:grpSpPr>
       <p:pic>
         <p:nvPicPr>
           <p:cNvPr id="4" name="그림 3"/>
@@ -3458,7 +4265,7 @@
 </p:sld>
 </file>
 
-<file path=ppt/slides/slide18.xml><?xml version="1.0" encoding="utf-8"?>
+<file path=ppt/slides/slide19.xml><?xml version="1.0" encoding="utf-8"?>
 <p:sld xmlns:a="http://schemas.openxmlformats.org/drawingml/2006/main" xmlns:r="http://schemas.openxmlformats.org/officeDocument/2006/relationships" xmlns:p="http://schemas.openxmlformats.org/presentationml/2006/main">
   <p:cSld>
     <p:spTree>
@@ -3503,60 +4310,6 @@
     <p:extLst>
       <p:ext uri="{BB962C8B-B14F-4D97-AF65-F5344CB8AC3E}">
         <p14:creationId xmlns:p14="http://schemas.microsoft.com/office/powerpoint/2010/main" val="2279172603"/>
-      </p:ext>
-    </p:extLst>
-  </p:cSld>
-  <p:clrMapOvr>
-    <a:masterClrMapping/>
-  </p:clrMapOvr>
-</p:sld>
-</file>
-
-<file path=ppt/slides/slide19.xml><?xml version="1.0" encoding="utf-8"?>
-<p:sld xmlns:a="http://schemas.openxmlformats.org/drawingml/2006/main" xmlns:r="http://schemas.openxmlformats.org/officeDocument/2006/relationships" xmlns:p="http://schemas.openxmlformats.org/presentationml/2006/main">
-  <p:cSld>
-    <p:spTree>
-      <p:nvGrpSpPr>
-        <p:cNvPr id="1" name=""/>
-        <p:cNvGrpSpPr/>
-        <p:nvPr/>
-      </p:nvGrpSpPr>
-      <p:grpSpPr>
-        <a:xfrm>
-          <a:off x="0" y="0"/>
-          <a:ext cx="0" cy="0"/>
-          <a:chOff x="0" y="0"/>
-          <a:chExt cx="0" cy="0"/>
-        </a:xfrm>
-      </p:grpSpPr>
-      <p:pic>
-        <p:nvPicPr>
-          <p:cNvPr id="4" name="그림 3"/>
-          <p:cNvPicPr>
-            <a:picLocks noChangeAspect="1"/>
-          </p:cNvPicPr>
-          <p:nvPr/>
-        </p:nvPicPr>
-        <p:blipFill>
-          <a:blip r:embed="rId2"/>
-          <a:stretch>
-            <a:fillRect/>
-          </a:stretch>
-        </p:blipFill>
-        <p:spPr>
-          <a:xfrm>
-            <a:off x="3786899" y="700066"/>
-            <a:ext cx="4618201" cy="5457868"/>
-          </a:xfrm>
-          <a:prstGeom prst="rect">
-            <a:avLst/>
-          </a:prstGeom>
-        </p:spPr>
-      </p:pic>
-    </p:spTree>
-    <p:extLst>
-      <p:ext uri="{BB962C8B-B14F-4D97-AF65-F5344CB8AC3E}">
-        <p14:creationId xmlns:p14="http://schemas.microsoft.com/office/powerpoint/2010/main" val="3526183733"/>
       </p:ext>
     </p:extLst>
   </p:cSld>
@@ -3653,6 +4406,60 @@
         </p:blipFill>
         <p:spPr>
           <a:xfrm>
+            <a:off x="3786899" y="700066"/>
+            <a:ext cx="4618201" cy="5457868"/>
+          </a:xfrm>
+          <a:prstGeom prst="rect">
+            <a:avLst/>
+          </a:prstGeom>
+        </p:spPr>
+      </p:pic>
+    </p:spTree>
+    <p:extLst>
+      <p:ext uri="{BB962C8B-B14F-4D97-AF65-F5344CB8AC3E}">
+        <p14:creationId xmlns:p14="http://schemas.microsoft.com/office/powerpoint/2010/main" val="3526183733"/>
+      </p:ext>
+    </p:extLst>
+  </p:cSld>
+  <p:clrMapOvr>
+    <a:masterClrMapping/>
+  </p:clrMapOvr>
+</p:sld>
+</file>
+
+<file path=ppt/slides/slide21.xml><?xml version="1.0" encoding="utf-8"?>
+<p:sld xmlns:a="http://schemas.openxmlformats.org/drawingml/2006/main" xmlns:r="http://schemas.openxmlformats.org/officeDocument/2006/relationships" xmlns:p="http://schemas.openxmlformats.org/presentationml/2006/main">
+  <p:cSld>
+    <p:spTree>
+      <p:nvGrpSpPr>
+        <p:cNvPr id="1" name=""/>
+        <p:cNvGrpSpPr/>
+        <p:nvPr/>
+      </p:nvGrpSpPr>
+      <p:grpSpPr>
+        <a:xfrm>
+          <a:off x="0" y="0"/>
+          <a:ext cx="0" cy="0"/>
+          <a:chOff x="0" y="0"/>
+          <a:chExt cx="0" cy="0"/>
+        </a:xfrm>
+      </p:grpSpPr>
+      <p:pic>
+        <p:nvPicPr>
+          <p:cNvPr id="4" name="그림 3"/>
+          <p:cNvPicPr>
+            <a:picLocks noChangeAspect="1"/>
+          </p:cNvPicPr>
+          <p:nvPr/>
+        </p:nvPicPr>
+        <p:blipFill>
+          <a:blip r:embed="rId2"/>
+          <a:stretch>
+            <a:fillRect/>
+          </a:stretch>
+        </p:blipFill>
+        <p:spPr>
+          <a:xfrm>
             <a:off x="2161499" y="693599"/>
             <a:ext cx="7869001" cy="5470801"/>
           </a:xfrm>
@@ -3674,7 +4481,7 @@
 </p:sld>
 </file>
 
-<file path=ppt/slides/slide21.xml><?xml version="1.0" encoding="utf-8"?>
+<file path=ppt/slides/slide22.xml><?xml version="1.0" encoding="utf-8"?>
 <p:sld xmlns:a="http://schemas.openxmlformats.org/drawingml/2006/main" xmlns:r="http://schemas.openxmlformats.org/officeDocument/2006/relationships" xmlns:p="http://schemas.openxmlformats.org/presentationml/2006/main">
   <p:cSld>
     <p:spTree>
@@ -3719,6 +4526,36 @@
     <p:extLst>
       <p:ext uri="{BB962C8B-B14F-4D97-AF65-F5344CB8AC3E}">
         <p14:creationId xmlns:p14="http://schemas.microsoft.com/office/powerpoint/2010/main" val="2999698765"/>
+      </p:ext>
+    </p:extLst>
+  </p:cSld>
+  <p:clrMapOvr>
+    <a:masterClrMapping/>
+  </p:clrMapOvr>
+</p:sld>
+</file>
+
+<file path=ppt/slides/slide23.xml><?xml version="1.0" encoding="utf-8"?>
+<p:sld xmlns:a="http://schemas.openxmlformats.org/drawingml/2006/main" xmlns:r="http://schemas.openxmlformats.org/officeDocument/2006/relationships" xmlns:p="http://schemas.openxmlformats.org/presentationml/2006/main">
+  <p:cSld>
+    <p:spTree>
+      <p:nvGrpSpPr>
+        <p:cNvPr id="1" name=""/>
+        <p:cNvGrpSpPr/>
+        <p:nvPr/>
+      </p:nvGrpSpPr>
+      <p:grpSpPr>
+        <a:xfrm>
+          <a:off x="0" y="0"/>
+          <a:ext cx="0" cy="0"/>
+          <a:chOff x="0" y="0"/>
+          <a:chExt cx="0" cy="0"/>
+        </a:xfrm>
+      </p:grpSpPr>
+    </p:spTree>
+    <p:extLst>
+      <p:ext uri="{BB962C8B-B14F-4D97-AF65-F5344CB8AC3E}">
+        <p14:creationId xmlns:p14="http://schemas.microsoft.com/office/powerpoint/2010/main" val="3339757965"/>
       </p:ext>
     </p:extLst>
   </p:cSld>
